--- a/OOP/面向对象的设计模式.pptx
+++ b/OOP/面向对象的设计模式.pptx
@@ -8,7 +8,7 @@
     <p:notesMasterId r:id="rId8"/>
   </p:notesMasterIdLst>
   <p:handoutMasterIdLst>
-    <p:handoutMasterId r:id="rId16"/>
+    <p:handoutMasterId r:id="rId17"/>
   </p:handoutMasterIdLst>
   <p:sldIdLst>
     <p:sldId id="256" r:id="rId3"/>
@@ -23,6 +23,7 @@
     <p:sldId id="269" r:id="rId13"/>
     <p:sldId id="270" r:id="rId14"/>
     <p:sldId id="271" r:id="rId15"/>
+    <p:sldId id="272" r:id="rId16"/>
   </p:sldIdLst>
   <p:sldSz cx="12192000" cy="6858000"/>
   <p:notesSz cx="7103745" cy="10234295"/>
@@ -4167,6 +4168,126 @@
               <a:t>避免构造函数的约束</a:t>
             </a:r>
             <a:endParaRPr lang="zh-CN" altLang="en-US"/>
+          </a:p>
+        </p:txBody>
+      </p:sp>
+    </p:spTree>
+  </p:cSld>
+  <p:clrMapOvr>
+    <a:masterClrMapping/>
+  </p:clrMapOvr>
+</p:sld>
+</file>
+
+<file path=ppt/slides/slide13.xml><?xml version="1.0" encoding="utf-8"?>
+<p:sld xmlns:a="http://schemas.openxmlformats.org/drawingml/2006/main" xmlns:r="http://schemas.openxmlformats.org/officeDocument/2006/relationships" xmlns:p="http://schemas.openxmlformats.org/presentationml/2006/main">
+  <p:cSld>
+    <p:spTree>
+      <p:nvGrpSpPr>
+        <p:cNvPr id="1" name=""/>
+        <p:cNvGrpSpPr/>
+        <p:nvPr/>
+      </p:nvGrpSpPr>
+      <p:grpSpPr/>
+      <p:sp>
+        <p:nvSpPr>
+          <p:cNvPr id="2" name="标题 1"/>
+          <p:cNvSpPr>
+            <a:spLocks noGrp="1"/>
+          </p:cNvSpPr>
+          <p:nvPr>
+            <p:ph type="title"/>
+          </p:nvPr>
+        </p:nvSpPr>
+        <p:spPr/>
+        <p:txBody>
+          <a:bodyPr/>
+          <a:p>
+            <a:r>
+              <a:rPr lang="zh-CN" altLang="en-US"/>
+              <a:t>如何熟练掌握设计</a:t>
+            </a:r>
+            <a:r>
+              <a:rPr lang="zh-CN" altLang="en-US"/>
+              <a:t>模式</a:t>
+            </a:r>
+            <a:endParaRPr lang="zh-CN" altLang="en-US"/>
+          </a:p>
+        </p:txBody>
+      </p:sp>
+      <p:sp>
+        <p:nvSpPr>
+          <p:cNvPr id="3" name="内容占位符 2"/>
+          <p:cNvSpPr>
+            <a:spLocks noGrp="1"/>
+          </p:cNvSpPr>
+          <p:nvPr>
+            <p:ph idx="1"/>
+          </p:nvPr>
+        </p:nvSpPr>
+        <p:spPr/>
+        <p:txBody>
+          <a:bodyPr/>
+          <a:p>
+            <a:r>
+              <a:rPr lang="zh-CN" altLang="en-US"/>
+              <a:t>了解每种设计模式</a:t>
+            </a:r>
+            <a:r>
+              <a:rPr lang="zh-CN" altLang="en-US"/>
+              <a:t>适用于解决哪类具体问题。</a:t>
+            </a:r>
+            <a:endParaRPr lang="zh-CN" altLang="en-US"/>
+          </a:p>
+          <a:p>
+            <a:r>
+              <a:rPr lang="zh-CN" altLang="en-US"/>
+              <a:t>通过熟悉经典代码应用</a:t>
+            </a:r>
+            <a:r>
+              <a:rPr lang="zh-CN" altLang="en-US">
+                <a:sym typeface="+mn-ea"/>
+              </a:rPr>
+              <a:t>设计模式的</a:t>
+            </a:r>
+            <a:r>
+              <a:rPr lang="zh-CN" altLang="en-US"/>
+              <a:t>案例</a:t>
+            </a:r>
+            <a:r>
+              <a:rPr lang="en-US" altLang="zh-CN"/>
+              <a:t>1~3</a:t>
+            </a:r>
+            <a:r>
+              <a:rPr lang="zh-CN" altLang="en-US"/>
+              <a:t>个，理解其</a:t>
+            </a:r>
+            <a:r>
+              <a:rPr lang="zh-CN" altLang="en-US"/>
+              <a:t>用途，</a:t>
+            </a:r>
+            <a:r>
+              <a:rPr lang="zh-CN" altLang="en-US"/>
+              <a:t>达到举一反三</a:t>
+            </a:r>
+            <a:endParaRPr lang="zh-CN" altLang="en-US"/>
+          </a:p>
+          <a:p>
+            <a:r>
+              <a:rPr lang="zh-CN" altLang="en-US">
+                <a:sym typeface="+mn-ea"/>
+              </a:rPr>
+              <a:t>在版本迭代过程时，尝试套各种设计</a:t>
+            </a:r>
+            <a:r>
+              <a:rPr lang="zh-CN" altLang="en-US">
+                <a:sym typeface="+mn-ea"/>
+              </a:rPr>
+              <a:t>模式。</a:t>
+            </a:r>
+            <a:endParaRPr lang="zh-CN" altLang="en-US">
+              <a:sym typeface="+mn-ea"/>
+            </a:endParaRPr>
           </a:p>
         </p:txBody>
       </p:sp>
